--- a/PowerPoints/FinalPresentation.pptx
+++ b/PowerPoints/FinalPresentation.pptx
@@ -318,7 +318,7 @@
             <a:fld id="{04AF466F-BDA4-4F18-9C7B-FF0A9A1B0E80}" type="datetime1">
               <a:rPr lang="en-US" smtClean="0"/>
               <a:pPr/>
-              <a:t>12/13/15</a:t>
+              <a:t>12/15/15</a:t>
             </a:fld>
             <a:endParaRPr lang="en-US"/>
           </a:p>
@@ -485,7 +485,7 @@
             <a:fld id="{58FB4290-6522-4139-852E-05BD9E7F0D2E}" type="datetime1">
               <a:rPr lang="en-US" smtClean="0"/>
               <a:pPr/>
-              <a:t>12/13/15</a:t>
+              <a:t>12/15/15</a:t>
             </a:fld>
             <a:endParaRPr lang="en-US"/>
           </a:p>
@@ -662,7 +662,7 @@
             <a:fld id="{AAB955F9-81EA-47C5-8059-9E5C2B437C70}" type="datetime1">
               <a:rPr lang="en-US" smtClean="0"/>
               <a:pPr/>
-              <a:t>12/13/15</a:t>
+              <a:t>12/15/15</a:t>
             </a:fld>
             <a:endParaRPr lang="en-US"/>
           </a:p>
@@ -829,7 +829,7 @@
             <a:fld id="{1CEF607B-A47E-422C-9BEF-122CCDB7C526}" type="datetime1">
               <a:rPr lang="en-US" smtClean="0"/>
               <a:pPr/>
-              <a:t>12/13/15</a:t>
+              <a:t>12/15/15</a:t>
             </a:fld>
             <a:endParaRPr lang="en-US"/>
           </a:p>
@@ -1072,7 +1072,7 @@
             <a:fld id="{63A9A7CB-BEE6-4F99-898E-913F06E8E125}" type="datetime1">
               <a:rPr lang="en-US" smtClean="0"/>
               <a:pPr/>
-              <a:t>12/13/15</a:t>
+              <a:t>12/15/15</a:t>
             </a:fld>
             <a:endParaRPr lang="en-US"/>
           </a:p>
@@ -1357,7 +1357,7 @@
             <a:fld id="{B6EE300C-6FC5-4FC3-AF1A-075E4F50620D}" type="datetime1">
               <a:rPr lang="en-US" smtClean="0"/>
               <a:pPr/>
-              <a:t>12/13/15</a:t>
+              <a:t>12/15/15</a:t>
             </a:fld>
             <a:endParaRPr lang="en-US"/>
           </a:p>
@@ -1788,7 +1788,7 @@
             <a:fld id="{F50D295D-4A77-4DEB-B04C-9F4282A8BC04}" type="datetime1">
               <a:rPr lang="en-US" smtClean="0"/>
               <a:pPr/>
-              <a:t>12/13/15</a:t>
+              <a:t>12/15/15</a:t>
             </a:fld>
             <a:endParaRPr lang="en-US"/>
           </a:p>
@@ -1903,7 +1903,7 @@
             <a:fld id="{02B28685-4D0C-42D5-8013-B5904CD1FCBC}" type="datetime1">
               <a:rPr lang="en-US" smtClean="0"/>
               <a:pPr/>
-              <a:t>12/13/15</a:t>
+              <a:t>12/15/15</a:t>
             </a:fld>
             <a:endParaRPr lang="en-US"/>
           </a:p>
@@ -1995,7 +1995,7 @@
             <a:fld id="{FDF226C0-9885-4BA9-BBFA-A52CBFEBB775}" type="datetime1">
               <a:rPr lang="en-US" smtClean="0"/>
               <a:pPr/>
-              <a:t>12/13/15</a:t>
+              <a:t>12/15/15</a:t>
             </a:fld>
             <a:endParaRPr lang="en-US"/>
           </a:p>
@@ -2186,7 +2186,7 @@
             <a:fld id="{EBEE1B38-C5EB-4D66-9137-0AFE9CDEDE8F}" type="datetime1">
               <a:rPr lang="en-US" smtClean="0"/>
               <a:pPr/>
-              <a:t>12/13/15</a:t>
+              <a:t>12/15/15</a:t>
             </a:fld>
             <a:endParaRPr lang="en-US"/>
           </a:p>
@@ -2506,7 +2506,7 @@
             <a:fld id="{327B613C-1AD7-49D3-885D-F654C5CDBAA6}" type="datetime1">
               <a:rPr lang="en-US" smtClean="0"/>
               <a:pPr/>
-              <a:t>12/13/15</a:t>
+              <a:t>12/15/15</a:t>
             </a:fld>
             <a:endParaRPr lang="en-US" dirty="0"/>
           </a:p>
@@ -2888,7 +2888,7 @@
             <a:fld id="{327B613C-1AD7-49D3-885D-F654C5CDBAA6}" type="datetime1">
               <a:rPr lang="en-US" smtClean="0"/>
               <a:pPr/>
-              <a:t>12/13/15</a:t>
+              <a:t>12/15/15</a:t>
             </a:fld>
             <a:endParaRPr lang="en-US" dirty="0"/>
           </a:p>
@@ -4335,26 +4335,26 @@
                 <a:latin typeface="Times"/>
                 <a:cs typeface="Times"/>
               </a:rPr>
-              <a:t>B</a:t>
-            </a:r>
+              <a:t>Birds’ sounds spectrum has unique pattern </a:t>
+            </a:r>
+          </a:p>
+          <a:p>
             <a:r>
               <a:rPr lang="en-US" dirty="0" smtClean="0">
                 <a:latin typeface="Times"/>
                 <a:cs typeface="Times"/>
               </a:rPr>
-              <a:t>irds’ sounds </a:t>
-            </a:r>
+              <a:t>Different birds should have unique of sound printing </a:t>
+            </a:r>
+          </a:p>
+          <a:p>
             <a:r>
               <a:rPr lang="en-US" dirty="0" smtClean="0">
                 <a:latin typeface="Times"/>
                 <a:cs typeface="Times"/>
               </a:rPr>
-              <a:t>spectrum has unique pattern </a:t>
-            </a:r>
-            <a:endParaRPr lang="en-US" dirty="0" smtClean="0">
-              <a:latin typeface="Times"/>
-              <a:cs typeface="Times"/>
-            </a:endParaRPr>
+              <a:t>Different birds have different figures in signal </a:t>
+            </a:r>
           </a:p>
           <a:p>
             <a:r>
@@ -4362,64 +4362,7 @@
                 <a:latin typeface="Times"/>
                 <a:cs typeface="Times"/>
               </a:rPr>
-              <a:t>Different </a:t>
-            </a:r>
-            <a:r>
-              <a:rPr lang="en-US" dirty="0" smtClean="0">
-                <a:latin typeface="Times"/>
-                <a:cs typeface="Times"/>
-              </a:rPr>
-              <a:t>birds should have unique of sound printing </a:t>
-            </a:r>
-          </a:p>
-          <a:p>
-            <a:r>
-              <a:rPr lang="en-US" dirty="0" smtClean="0">
-                <a:latin typeface="Times"/>
-                <a:cs typeface="Times"/>
-              </a:rPr>
-              <a:t>Different birds have different </a:t>
-            </a:r>
-            <a:r>
-              <a:rPr lang="en-US" dirty="0" smtClean="0">
-                <a:latin typeface="Times"/>
-                <a:cs typeface="Times"/>
-              </a:rPr>
-              <a:t>figures in signal </a:t>
-            </a:r>
-            <a:endParaRPr lang="en-US" dirty="0" smtClean="0">
-              <a:latin typeface="Times"/>
-              <a:cs typeface="Times"/>
-            </a:endParaRPr>
-          </a:p>
-          <a:p>
-            <a:r>
-              <a:rPr lang="en-US" dirty="0" smtClean="0">
-                <a:latin typeface="Times"/>
-                <a:cs typeface="Times"/>
-              </a:rPr>
-              <a:t>Using Time, Frequency, Energy in </a:t>
-            </a:r>
-            <a:r>
-              <a:rPr lang="en-US" dirty="0" smtClean="0">
-                <a:latin typeface="Times"/>
-                <a:cs typeface="Times"/>
-              </a:rPr>
-              <a:t>difference </a:t>
-            </a:r>
-            <a:r>
-              <a:rPr lang="en-US" dirty="0" smtClean="0">
-                <a:latin typeface="Times"/>
-                <a:cs typeface="Times"/>
-              </a:rPr>
-              <a:t>point we might </a:t>
-            </a:r>
-            <a:r>
-              <a:rPr lang="en-US" dirty="0" smtClean="0">
-                <a:latin typeface="Times"/>
-                <a:cs typeface="Times"/>
-              </a:rPr>
-              <a:t>find difference distance between different birds</a:t>
+              <a:t>Using Time, Frequency, Energy in difference point we might find difference distance between different birds</a:t>
             </a:r>
           </a:p>
           <a:p>
@@ -4428,11 +4371,32 @@
             </a:pPr>
             <a:endParaRPr lang="en-US" dirty="0" smtClean="0"/>
           </a:p>
-          <a:p>
-            <a:endParaRPr lang="en-US" dirty="0"/>
-          </a:p>
-        </p:txBody>
-      </p:sp>
+        </p:txBody>
+      </p:sp>
+      <p:pic>
+        <p:nvPicPr>
+          <p:cNvPr id="5" name="Picture 4"/>
+          <p:cNvPicPr>
+            <a:picLocks noChangeAspect="1"/>
+          </p:cNvPicPr>
+          <p:nvPr/>
+        </p:nvPicPr>
+        <p:blipFill>
+          <a:blip r:embed="rId2"/>
+          <a:stretch>
+            <a:fillRect/>
+          </a:stretch>
+        </p:blipFill>
+        <p:spPr>
+          <a:xfrm>
+            <a:off x="1112720" y="3728621"/>
+            <a:ext cx="5565395" cy="2672179"/>
+          </a:xfrm>
+          <a:prstGeom prst="rect">
+            <a:avLst/>
+          </a:prstGeom>
+        </p:spPr>
+      </p:pic>
     </p:spTree>
     <p:extLst>
       <p:ext uri="{BB962C8B-B14F-4D97-AF65-F5344CB8AC3E}">
@@ -4776,14 +4740,7 @@
                 <a:latin typeface="Times"/>
                 <a:cs typeface="Times"/>
               </a:rPr>
-              <a:t>of birds’ organization</a:t>
-            </a:r>
-            <a:r>
-              <a:rPr lang="en-US" sz="2400" dirty="0">
-                <a:latin typeface="Times"/>
-                <a:cs typeface="Times"/>
-              </a:rPr>
-              <a:t> </a:t>
+              <a:t>of birds’ organization </a:t>
             </a:r>
           </a:p>
           <a:p>
@@ -5856,8 +5813,16 @@
             <a:pPr lvl="1"/>
             <a:r>
               <a:rPr lang="en-US" dirty="0" smtClean="0"/>
-              <a:t>Finding periodicities in a signal</a:t>
-            </a:r>
+              <a:t>Finding periodicities in a </a:t>
+            </a:r>
+            <a:r>
+              <a:rPr lang="en-US" dirty="0" smtClean="0"/>
+              <a:t>signal</a:t>
+            </a:r>
+          </a:p>
+          <a:p>
+            <a:pPr lvl="1"/>
+            <a:endParaRPr lang="en-US" dirty="0" smtClean="0"/>
           </a:p>
           <a:p>
             <a:pPr marL="114300" indent="0">
@@ -5867,6 +5832,29 @@
           </a:p>
         </p:txBody>
       </p:sp>
+      <p:pic>
+        <p:nvPicPr>
+          <p:cNvPr id="4" name="Content Placeholder 3"/>
+          <p:cNvPicPr/>
+          <p:nvPr/>
+        </p:nvPicPr>
+        <p:blipFill>
+          <a:blip r:embed="rId2"/>
+          <a:srcRect t="-10496" b="-10496"/>
+          <a:stretch>
+            <a:fillRect/>
+          </a:stretch>
+        </p:blipFill>
+        <p:spPr>
+          <a:xfrm>
+            <a:off x="1978725" y="4916863"/>
+            <a:ext cx="4572000" cy="1483937"/>
+          </a:xfrm>
+          <a:prstGeom prst="rect">
+            <a:avLst/>
+          </a:prstGeom>
+        </p:spPr>
+      </p:pic>
     </p:spTree>
     <p:extLst>
       <p:ext uri="{BB962C8B-B14F-4D97-AF65-F5344CB8AC3E}">
